--- a/Electronic Correction.pptx
+++ b/Electronic Correction.pptx
@@ -7299,6 +7299,36 @@
           </a:prstGeom>
         </p:spPr>
       </p:pic>
+      <p:sp>
+        <p:nvSpPr>
+          <p:cNvPr id="2" name="TextBox 1"/>
+          <p:cNvSpPr txBox="1"/>
+          <p:nvPr/>
+        </p:nvSpPr>
+        <p:spPr>
+          <a:xfrm>
+            <a:off x="3962400" y="790601"/>
+            <a:ext cx="697627" cy="369332"/>
+          </a:xfrm>
+          <a:prstGeom prst="rect">
+            <a:avLst/>
+          </a:prstGeom>
+          <a:noFill/>
+        </p:spPr>
+        <p:txBody>
+          <a:bodyPr wrap="none" rtlCol="0">
+            <a:spAutoFit/>
+          </a:bodyPr>
+          <a:lstStyle/>
+          <a:p>
+            <a:r>
+              <a:rPr lang="en-US" dirty="0" smtClean="0"/>
+              <a:t>000$</a:t>
+            </a:r>
+            <a:endParaRPr lang="en-US" dirty="0"/>
+          </a:p>
+        </p:txBody>
+      </p:sp>
     </p:spTree>
     <p:extLst>
       <p:ext uri="{BB962C8B-B14F-4D97-AF65-F5344CB8AC3E}">

--- a/Electronic Correction.pptx
+++ b/Electronic Correction.pptx
@@ -7322,10 +7322,10 @@
           <a:lstStyle/>
           <a:p>
             <a:r>
-              <a:rPr lang="en-US" dirty="0" smtClean="0"/>
+              <a:rPr lang="en-US" b="1" dirty="0" smtClean="0"/>
               <a:t>000$</a:t>
             </a:r>
-            <a:endParaRPr lang="en-US" dirty="0"/>
+            <a:endParaRPr lang="en-US" b="1" dirty="0"/>
           </a:p>
         </p:txBody>
       </p:sp>
